--- a/doc/images.pptx
+++ b/doc/images.pptx
@@ -8,6 +8,7 @@
     <p:sldId id="256" r:id="rId2"/>
     <p:sldId id="257" r:id="rId3"/>
     <p:sldId id="258" r:id="rId4"/>
+    <p:sldId id="259" r:id="rId5"/>
   </p:sldIdLst>
   <p:sldSz cx="12192000" cy="6858000"/>
   <p:notesSz cx="6858000" cy="9144000"/>
@@ -106,6 +107,11 @@
       </a:defRPr>
     </a:lvl9pPr>
   </p:defaultTextStyle>
+  <p:extLst>
+    <p:ext uri="{EFAFB233-063F-42B5-8137-9DF3F51BA10A}">
+      <p15:sldGuideLst xmlns:p15="http://schemas.microsoft.com/office/powerpoint/2012/main"/>
+    </p:ext>
+  </p:extLst>
 </p:presentation>
 </file>
 
@@ -4925,12 +4931,42 @@
           </p:txBody>
         </p:sp>
       </p:grpSp>
-      <p:sp>
-        <p:nvSpPr>
-          <p:cNvPr id="7" name="Rounded Rectangle 6">
-            <a:extLst>
-              <a:ext uri="{FF2B5EF4-FFF2-40B4-BE49-F238E27FC236}">
-                <a16:creationId xmlns:a16="http://schemas.microsoft.com/office/drawing/2014/main" id="{36497563-8311-2A4E-A589-FA64CFAAF583}"/>
+    </p:spTree>
+    <p:extLst>
+      <p:ext uri="{BB962C8B-B14F-4D97-AF65-F5344CB8AC3E}">
+        <p14:creationId xmlns:p14="http://schemas.microsoft.com/office/powerpoint/2010/main" val="2427806126"/>
+      </p:ext>
+    </p:extLst>
+  </p:cSld>
+  <p:clrMapOvr>
+    <a:masterClrMapping/>
+  </p:clrMapOvr>
+</p:sld>
+</file>
+
+<file path=ppt/slides/slide4.xml><?xml version="1.0" encoding="utf-8"?>
+<p:sld xmlns:a="http://schemas.openxmlformats.org/drawingml/2006/main" xmlns:r="http://schemas.openxmlformats.org/officeDocument/2006/relationships" xmlns:p="http://schemas.openxmlformats.org/presentationml/2006/main">
+  <p:cSld>
+    <p:spTree>
+      <p:nvGrpSpPr>
+        <p:cNvPr id="1" name=""/>
+        <p:cNvGrpSpPr/>
+        <p:nvPr/>
+      </p:nvGrpSpPr>
+      <p:grpSpPr>
+        <a:xfrm>
+          <a:off x="0" y="0"/>
+          <a:ext cx="0" cy="0"/>
+          <a:chOff x="0" y="0"/>
+          <a:chExt cx="0" cy="0"/>
+        </a:xfrm>
+      </p:grpSpPr>
+      <p:sp>
+        <p:nvSpPr>
+          <p:cNvPr id="2" name="Rounded Rectangle 1">
+            <a:extLst>
+              <a:ext uri="{FF2B5EF4-FFF2-40B4-BE49-F238E27FC236}">
+                <a16:creationId xmlns:a16="http://schemas.microsoft.com/office/drawing/2014/main" id="{4D6E440B-BDD7-3148-8AAA-72525A38CAF6}"/>
               </a:ext>
             </a:extLst>
           </p:cNvPr>
@@ -4939,25 +4975,25 @@
         </p:nvSpPr>
         <p:spPr>
           <a:xfrm>
-            <a:off x="6834554" y="1463040"/>
-            <a:ext cx="2307101" cy="3601329"/>
+            <a:off x="1390359" y="1336433"/>
+            <a:ext cx="987082" cy="1041008"/>
           </a:xfrm>
           <a:prstGeom prst="roundRect">
             <a:avLst/>
           </a:prstGeom>
         </p:spPr>
         <p:style>
-          <a:lnRef idx="2">
-            <a:schemeClr val="dk1"/>
+          <a:lnRef idx="0">
+            <a:schemeClr val="accent2"/>
           </a:lnRef>
-          <a:fillRef idx="1">
-            <a:schemeClr val="lt1"/>
+          <a:fillRef idx="3">
+            <a:schemeClr val="accent2"/>
           </a:fillRef>
-          <a:effectRef idx="0">
-            <a:schemeClr val="dk1"/>
+          <a:effectRef idx="3">
+            <a:schemeClr val="accent2"/>
           </a:effectRef>
           <a:fontRef idx="minor">
-            <a:schemeClr val="dk1"/>
+            <a:schemeClr val="lt1"/>
           </a:fontRef>
         </p:style>
         <p:txBody>
@@ -4965,14 +5001,34 @@
           <a:lstStyle/>
           <a:p>
             <a:pPr algn="ctr"/>
-            <a:endParaRPr lang="sv-SE"/>
+            <a:r>
+              <a:rPr lang="sv-SE" sz="9600" b="1" dirty="0">
+                <a:ln w="10160">
+                  <a:solidFill>
+                    <a:schemeClr val="accent5"/>
+                  </a:solidFill>
+                  <a:prstDash val="solid"/>
+                </a:ln>
+                <a:solidFill>
+                  <a:srgbClr val="FFFFFF"/>
+                </a:solidFill>
+                <a:effectLst>
+                  <a:outerShdw blurRad="38100" dist="22860" dir="5400000" algn="tl" rotWithShape="0">
+                    <a:srgbClr val="000000">
+                      <a:alpha val="30000"/>
+                    </a:srgbClr>
+                  </a:outerShdw>
+                </a:effectLst>
+              </a:rPr>
+              <a:t>X</a:t>
+            </a:r>
           </a:p>
         </p:txBody>
       </p:sp>
     </p:spTree>
     <p:extLst>
       <p:ext uri="{BB962C8B-B14F-4D97-AF65-F5344CB8AC3E}">
-        <p14:creationId xmlns:p14="http://schemas.microsoft.com/office/powerpoint/2010/main" val="2427806126"/>
+        <p14:creationId xmlns:p14="http://schemas.microsoft.com/office/powerpoint/2010/main" val="77661244"/>
       </p:ext>
     </p:extLst>
   </p:cSld>

--- a/doc/images.pptx
+++ b/doc/images.pptx
@@ -264,7 +264,7 @@
           <a:p>
             <a:fld id="{8108DD3E-38B5-9648-8F70-25DF6B81D7CD}" type="datetimeFigureOut">
               <a:rPr lang="sv-SE" smtClean="0"/>
-              <a:t>2018-04-14</a:t>
+              <a:t>2018-04-20</a:t>
             </a:fld>
             <a:endParaRPr lang="sv-SE"/>
           </a:p>
@@ -464,7 +464,7 @@
           <a:p>
             <a:fld id="{8108DD3E-38B5-9648-8F70-25DF6B81D7CD}" type="datetimeFigureOut">
               <a:rPr lang="sv-SE" smtClean="0"/>
-              <a:t>2018-04-14</a:t>
+              <a:t>2018-04-20</a:t>
             </a:fld>
             <a:endParaRPr lang="sv-SE"/>
           </a:p>
@@ -674,7 +674,7 @@
           <a:p>
             <a:fld id="{8108DD3E-38B5-9648-8F70-25DF6B81D7CD}" type="datetimeFigureOut">
               <a:rPr lang="sv-SE" smtClean="0"/>
-              <a:t>2018-04-14</a:t>
+              <a:t>2018-04-20</a:t>
             </a:fld>
             <a:endParaRPr lang="sv-SE"/>
           </a:p>
@@ -874,7 +874,7 @@
           <a:p>
             <a:fld id="{8108DD3E-38B5-9648-8F70-25DF6B81D7CD}" type="datetimeFigureOut">
               <a:rPr lang="sv-SE" smtClean="0"/>
-              <a:t>2018-04-14</a:t>
+              <a:t>2018-04-20</a:t>
             </a:fld>
             <a:endParaRPr lang="sv-SE"/>
           </a:p>
@@ -1150,7 +1150,7 @@
           <a:p>
             <a:fld id="{8108DD3E-38B5-9648-8F70-25DF6B81D7CD}" type="datetimeFigureOut">
               <a:rPr lang="sv-SE" smtClean="0"/>
-              <a:t>2018-04-14</a:t>
+              <a:t>2018-04-20</a:t>
             </a:fld>
             <a:endParaRPr lang="sv-SE"/>
           </a:p>
@@ -1418,7 +1418,7 @@
           <a:p>
             <a:fld id="{8108DD3E-38B5-9648-8F70-25DF6B81D7CD}" type="datetimeFigureOut">
               <a:rPr lang="sv-SE" smtClean="0"/>
-              <a:t>2018-04-14</a:t>
+              <a:t>2018-04-20</a:t>
             </a:fld>
             <a:endParaRPr lang="sv-SE"/>
           </a:p>
@@ -1833,7 +1833,7 @@
           <a:p>
             <a:fld id="{8108DD3E-38B5-9648-8F70-25DF6B81D7CD}" type="datetimeFigureOut">
               <a:rPr lang="sv-SE" smtClean="0"/>
-              <a:t>2018-04-14</a:t>
+              <a:t>2018-04-20</a:t>
             </a:fld>
             <a:endParaRPr lang="sv-SE"/>
           </a:p>
@@ -1975,7 +1975,7 @@
           <a:p>
             <a:fld id="{8108DD3E-38B5-9648-8F70-25DF6B81D7CD}" type="datetimeFigureOut">
               <a:rPr lang="sv-SE" smtClean="0"/>
-              <a:t>2018-04-14</a:t>
+              <a:t>2018-04-20</a:t>
             </a:fld>
             <a:endParaRPr lang="sv-SE"/>
           </a:p>
@@ -2088,7 +2088,7 @@
           <a:p>
             <a:fld id="{8108DD3E-38B5-9648-8F70-25DF6B81D7CD}" type="datetimeFigureOut">
               <a:rPr lang="sv-SE" smtClean="0"/>
-              <a:t>2018-04-14</a:t>
+              <a:t>2018-04-20</a:t>
             </a:fld>
             <a:endParaRPr lang="sv-SE"/>
           </a:p>
@@ -2401,7 +2401,7 @@
           <a:p>
             <a:fld id="{8108DD3E-38B5-9648-8F70-25DF6B81D7CD}" type="datetimeFigureOut">
               <a:rPr lang="sv-SE" smtClean="0"/>
-              <a:t>2018-04-14</a:t>
+              <a:t>2018-04-20</a:t>
             </a:fld>
             <a:endParaRPr lang="sv-SE"/>
           </a:p>
@@ -2690,7 +2690,7 @@
           <a:p>
             <a:fld id="{8108DD3E-38B5-9648-8F70-25DF6B81D7CD}" type="datetimeFigureOut">
               <a:rPr lang="sv-SE" smtClean="0"/>
-              <a:t>2018-04-14</a:t>
+              <a:t>2018-04-20</a:t>
             </a:fld>
             <a:endParaRPr lang="sv-SE"/>
           </a:p>
@@ -2933,7 +2933,7 @@
           <a:p>
             <a:fld id="{8108DD3E-38B5-9648-8F70-25DF6B81D7CD}" type="datetimeFigureOut">
               <a:rPr lang="sv-SE" smtClean="0"/>
-              <a:t>2018-04-14</a:t>
+              <a:t>2018-04-20</a:t>
             </a:fld>
             <a:endParaRPr lang="sv-SE"/>
           </a:p>
@@ -5025,6 +5025,70 @@
           </a:p>
         </p:txBody>
       </p:sp>
+      <p:sp>
+        <p:nvSpPr>
+          <p:cNvPr id="3" name="Rounded Rectangle 2">
+            <a:extLst>
+              <a:ext uri="{FF2B5EF4-FFF2-40B4-BE49-F238E27FC236}">
+                <a16:creationId xmlns:a16="http://schemas.microsoft.com/office/drawing/2014/main" id="{DFB53FE9-6D2A-4E44-ADDC-E948ED5645A4}"/>
+              </a:ext>
+            </a:extLst>
+          </p:cNvPr>
+          <p:cNvSpPr/>
+          <p:nvPr/>
+        </p:nvSpPr>
+        <p:spPr>
+          <a:xfrm>
+            <a:off x="3892064" y="1336433"/>
+            <a:ext cx="987082" cy="1041008"/>
+          </a:xfrm>
+          <a:prstGeom prst="roundRect">
+            <a:avLst/>
+          </a:prstGeom>
+        </p:spPr>
+        <p:style>
+          <a:lnRef idx="1">
+            <a:schemeClr val="accent6"/>
+          </a:lnRef>
+          <a:fillRef idx="2">
+            <a:schemeClr val="accent6"/>
+          </a:fillRef>
+          <a:effectRef idx="1">
+            <a:schemeClr val="accent6"/>
+          </a:effectRef>
+          <a:fontRef idx="minor">
+            <a:schemeClr val="dk1"/>
+          </a:fontRef>
+        </p:style>
+        <p:txBody>
+          <a:bodyPr rtlCol="0" anchor="ctr"/>
+          <a:lstStyle/>
+          <a:p>
+            <a:pPr algn="ctr"/>
+            <a:r>
+              <a:rPr lang="sv-SE" sz="9600" b="1" dirty="0">
+                <a:ln w="10160">
+                  <a:solidFill>
+                    <a:schemeClr val="accent5"/>
+                  </a:solidFill>
+                  <a:prstDash val="solid"/>
+                </a:ln>
+                <a:solidFill>
+                  <a:srgbClr val="FFFFFF"/>
+                </a:solidFill>
+                <a:effectLst>
+                  <a:outerShdw blurRad="38100" dist="22860" dir="5400000" algn="tl" rotWithShape="0">
+                    <a:srgbClr val="000000">
+                      <a:alpha val="30000"/>
+                    </a:srgbClr>
+                  </a:outerShdw>
+                </a:effectLst>
+              </a:rPr>
+              <a:t>+</a:t>
+            </a:r>
+          </a:p>
+        </p:txBody>
+      </p:sp>
     </p:spTree>
     <p:extLst>
       <p:ext uri="{BB962C8B-B14F-4D97-AF65-F5344CB8AC3E}">

--- a/doc/images.pptx
+++ b/doc/images.pptx
@@ -5089,6 +5089,67 @@
           </a:p>
         </p:txBody>
       </p:sp>
+      <p:sp>
+        <p:nvSpPr>
+          <p:cNvPr id="4" name="Rounded Rectangle 3">
+            <a:extLst>
+              <a:ext uri="{FF2B5EF4-FFF2-40B4-BE49-F238E27FC236}">
+                <a16:creationId xmlns:a16="http://schemas.microsoft.com/office/drawing/2014/main" id="{76F09790-893E-5C4C-8847-1AE31805702E}"/>
+              </a:ext>
+            </a:extLst>
+          </p:cNvPr>
+          <p:cNvSpPr/>
+          <p:nvPr/>
+        </p:nvSpPr>
+        <p:spPr>
+          <a:xfrm>
+            <a:off x="5376208" y="1336433"/>
+            <a:ext cx="987082" cy="1041008"/>
+          </a:xfrm>
+          <a:prstGeom prst="roundRect">
+            <a:avLst/>
+          </a:prstGeom>
+        </p:spPr>
+        <p:style>
+          <a:lnRef idx="1">
+            <a:schemeClr val="accent6"/>
+          </a:lnRef>
+          <a:fillRef idx="2">
+            <a:schemeClr val="accent6"/>
+          </a:fillRef>
+          <a:effectRef idx="1">
+            <a:schemeClr val="accent6"/>
+          </a:effectRef>
+          <a:fontRef idx="minor">
+            <a:schemeClr val="dk1"/>
+          </a:fontRef>
+        </p:style>
+        <p:txBody>
+          <a:bodyPr rtlCol="0" anchor="ctr"/>
+          <a:lstStyle/>
+          <a:p>
+            <a:pPr algn="ctr"/>
+            <a:endParaRPr lang="sv-SE" sz="9600" b="1" dirty="0">
+              <a:ln w="10160">
+                <a:solidFill>
+                  <a:schemeClr val="accent5"/>
+                </a:solidFill>
+                <a:prstDash val="solid"/>
+              </a:ln>
+              <a:solidFill>
+                <a:srgbClr val="FFFFFF"/>
+              </a:solidFill>
+              <a:effectLst>
+                <a:outerShdw blurRad="38100" dist="22860" dir="5400000" algn="tl" rotWithShape="0">
+                  <a:srgbClr val="000000">
+                    <a:alpha val="30000"/>
+                  </a:srgbClr>
+                </a:outerShdw>
+              </a:effectLst>
+            </a:endParaRPr>
+          </a:p>
+        </p:txBody>
+      </p:sp>
     </p:spTree>
     <p:extLst>
       <p:ext uri="{BB962C8B-B14F-4D97-AF65-F5344CB8AC3E}">

--- a/doc/images.pptx
+++ b/doc/images.pptx
@@ -264,7 +264,7 @@
           <a:p>
             <a:fld id="{8108DD3E-38B5-9648-8F70-25DF6B81D7CD}" type="datetimeFigureOut">
               <a:rPr lang="sv-SE" smtClean="0"/>
-              <a:t>2018-04-20</a:t>
+              <a:t>2018-04-22</a:t>
             </a:fld>
             <a:endParaRPr lang="sv-SE"/>
           </a:p>
@@ -464,7 +464,7 @@
           <a:p>
             <a:fld id="{8108DD3E-38B5-9648-8F70-25DF6B81D7CD}" type="datetimeFigureOut">
               <a:rPr lang="sv-SE" smtClean="0"/>
-              <a:t>2018-04-20</a:t>
+              <a:t>2018-04-22</a:t>
             </a:fld>
             <a:endParaRPr lang="sv-SE"/>
           </a:p>
@@ -674,7 +674,7 @@
           <a:p>
             <a:fld id="{8108DD3E-38B5-9648-8F70-25DF6B81D7CD}" type="datetimeFigureOut">
               <a:rPr lang="sv-SE" smtClean="0"/>
-              <a:t>2018-04-20</a:t>
+              <a:t>2018-04-22</a:t>
             </a:fld>
             <a:endParaRPr lang="sv-SE"/>
           </a:p>
@@ -874,7 +874,7 @@
           <a:p>
             <a:fld id="{8108DD3E-38B5-9648-8F70-25DF6B81D7CD}" type="datetimeFigureOut">
               <a:rPr lang="sv-SE" smtClean="0"/>
-              <a:t>2018-04-20</a:t>
+              <a:t>2018-04-22</a:t>
             </a:fld>
             <a:endParaRPr lang="sv-SE"/>
           </a:p>
@@ -1150,7 +1150,7 @@
           <a:p>
             <a:fld id="{8108DD3E-38B5-9648-8F70-25DF6B81D7CD}" type="datetimeFigureOut">
               <a:rPr lang="sv-SE" smtClean="0"/>
-              <a:t>2018-04-20</a:t>
+              <a:t>2018-04-22</a:t>
             </a:fld>
             <a:endParaRPr lang="sv-SE"/>
           </a:p>
@@ -1418,7 +1418,7 @@
           <a:p>
             <a:fld id="{8108DD3E-38B5-9648-8F70-25DF6B81D7CD}" type="datetimeFigureOut">
               <a:rPr lang="sv-SE" smtClean="0"/>
-              <a:t>2018-04-20</a:t>
+              <a:t>2018-04-22</a:t>
             </a:fld>
             <a:endParaRPr lang="sv-SE"/>
           </a:p>
@@ -1833,7 +1833,7 @@
           <a:p>
             <a:fld id="{8108DD3E-38B5-9648-8F70-25DF6B81D7CD}" type="datetimeFigureOut">
               <a:rPr lang="sv-SE" smtClean="0"/>
-              <a:t>2018-04-20</a:t>
+              <a:t>2018-04-22</a:t>
             </a:fld>
             <a:endParaRPr lang="sv-SE"/>
           </a:p>
@@ -1975,7 +1975,7 @@
           <a:p>
             <a:fld id="{8108DD3E-38B5-9648-8F70-25DF6B81D7CD}" type="datetimeFigureOut">
               <a:rPr lang="sv-SE" smtClean="0"/>
-              <a:t>2018-04-20</a:t>
+              <a:t>2018-04-22</a:t>
             </a:fld>
             <a:endParaRPr lang="sv-SE"/>
           </a:p>
@@ -2088,7 +2088,7 @@
           <a:p>
             <a:fld id="{8108DD3E-38B5-9648-8F70-25DF6B81D7CD}" type="datetimeFigureOut">
               <a:rPr lang="sv-SE" smtClean="0"/>
-              <a:t>2018-04-20</a:t>
+              <a:t>2018-04-22</a:t>
             </a:fld>
             <a:endParaRPr lang="sv-SE"/>
           </a:p>
@@ -2401,7 +2401,7 @@
           <a:p>
             <a:fld id="{8108DD3E-38B5-9648-8F70-25DF6B81D7CD}" type="datetimeFigureOut">
               <a:rPr lang="sv-SE" smtClean="0"/>
-              <a:t>2018-04-20</a:t>
+              <a:t>2018-04-22</a:t>
             </a:fld>
             <a:endParaRPr lang="sv-SE"/>
           </a:p>
@@ -2690,7 +2690,7 @@
           <a:p>
             <a:fld id="{8108DD3E-38B5-9648-8F70-25DF6B81D7CD}" type="datetimeFigureOut">
               <a:rPr lang="sv-SE" smtClean="0"/>
-              <a:t>2018-04-20</a:t>
+              <a:t>2018-04-22</a:t>
             </a:fld>
             <a:endParaRPr lang="sv-SE"/>
           </a:p>
@@ -2933,7 +2933,7 @@
           <a:p>
             <a:fld id="{8108DD3E-38B5-9648-8F70-25DF6B81D7CD}" type="datetimeFigureOut">
               <a:rPr lang="sv-SE" smtClean="0"/>
-              <a:t>2018-04-20</a:t>
+              <a:t>2018-04-22</a:t>
             </a:fld>
             <a:endParaRPr lang="sv-SE"/>
           </a:p>
@@ -4963,6 +4963,67 @@
       </p:grpSpPr>
       <p:sp>
         <p:nvSpPr>
+          <p:cNvPr id="6" name="Rounded Rectangle 5">
+            <a:extLst>
+              <a:ext uri="{FF2B5EF4-FFF2-40B4-BE49-F238E27FC236}">
+                <a16:creationId xmlns:a16="http://schemas.microsoft.com/office/drawing/2014/main" id="{89D41E55-F838-1B44-AAAE-72F232CC8886}"/>
+              </a:ext>
+            </a:extLst>
+          </p:cNvPr>
+          <p:cNvSpPr/>
+          <p:nvPr/>
+        </p:nvSpPr>
+        <p:spPr>
+          <a:xfrm>
+            <a:off x="2108982" y="3699803"/>
+            <a:ext cx="987082" cy="1041008"/>
+          </a:xfrm>
+          <a:prstGeom prst="roundRect">
+            <a:avLst/>
+          </a:prstGeom>
+        </p:spPr>
+        <p:style>
+          <a:lnRef idx="1">
+            <a:schemeClr val="accent5"/>
+          </a:lnRef>
+          <a:fillRef idx="2">
+            <a:schemeClr val="accent5"/>
+          </a:fillRef>
+          <a:effectRef idx="1">
+            <a:schemeClr val="accent5"/>
+          </a:effectRef>
+          <a:fontRef idx="minor">
+            <a:schemeClr val="dk1"/>
+          </a:fontRef>
+        </p:style>
+        <p:txBody>
+          <a:bodyPr rtlCol="0" anchor="ctr"/>
+          <a:lstStyle/>
+          <a:p>
+            <a:pPr algn="ctr"/>
+            <a:endParaRPr lang="sv-SE" sz="9600" b="1" dirty="0">
+              <a:ln w="10160">
+                <a:solidFill>
+                  <a:schemeClr val="accent5"/>
+                </a:solidFill>
+                <a:prstDash val="solid"/>
+              </a:ln>
+              <a:solidFill>
+                <a:srgbClr val="FFFFFF"/>
+              </a:solidFill>
+              <a:effectLst>
+                <a:outerShdw blurRad="38100" dist="22860" dir="5400000" algn="tl" rotWithShape="0">
+                  <a:srgbClr val="000000">
+                    <a:alpha val="30000"/>
+                  </a:srgbClr>
+                </a:outerShdw>
+              </a:effectLst>
+            </a:endParaRPr>
+          </a:p>
+        </p:txBody>
+      </p:sp>
+      <p:sp>
+        <p:nvSpPr>
           <p:cNvPr id="2" name="Rounded Rectangle 1">
             <a:extLst>
               <a:ext uri="{FF2B5EF4-FFF2-40B4-BE49-F238E27FC236}">
@@ -5147,6 +5208,98 @@
                 </a:outerShdw>
               </a:effectLst>
             </a:endParaRPr>
+          </a:p>
+        </p:txBody>
+      </p:sp>
+      <p:sp>
+        <p:nvSpPr>
+          <p:cNvPr id="5" name="Striped Right Arrow 4">
+            <a:extLst>
+              <a:ext uri="{FF2B5EF4-FFF2-40B4-BE49-F238E27FC236}">
+                <a16:creationId xmlns:a16="http://schemas.microsoft.com/office/drawing/2014/main" id="{03186581-45F0-0240-85F3-C4A5AE943A64}"/>
+              </a:ext>
+            </a:extLst>
+          </p:cNvPr>
+          <p:cNvSpPr/>
+          <p:nvPr/>
+        </p:nvSpPr>
+        <p:spPr>
+          <a:xfrm>
+            <a:off x="1913206" y="4023360"/>
+            <a:ext cx="689317" cy="393895"/>
+          </a:xfrm>
+          <a:prstGeom prst="stripedRightArrow">
+            <a:avLst/>
+          </a:prstGeom>
+        </p:spPr>
+        <p:style>
+          <a:lnRef idx="2">
+            <a:schemeClr val="accent1">
+              <a:shade val="50000"/>
+            </a:schemeClr>
+          </a:lnRef>
+          <a:fillRef idx="1">
+            <a:schemeClr val="accent1"/>
+          </a:fillRef>
+          <a:effectRef idx="0">
+            <a:schemeClr val="accent1"/>
+          </a:effectRef>
+          <a:fontRef idx="minor">
+            <a:schemeClr val="lt1"/>
+          </a:fontRef>
+        </p:style>
+        <p:txBody>
+          <a:bodyPr rtlCol="0" anchor="ctr"/>
+          <a:lstStyle/>
+          <a:p>
+            <a:pPr algn="ctr"/>
+            <a:endParaRPr lang="sv-SE"/>
+          </a:p>
+        </p:txBody>
+      </p:sp>
+      <p:sp>
+        <p:nvSpPr>
+          <p:cNvPr id="7" name="Trapezoid 6">
+            <a:extLst>
+              <a:ext uri="{FF2B5EF4-FFF2-40B4-BE49-F238E27FC236}">
+                <a16:creationId xmlns:a16="http://schemas.microsoft.com/office/drawing/2014/main" id="{E5D00BA6-4B17-B54A-ACB3-802D005B9D81}"/>
+              </a:ext>
+            </a:extLst>
+          </p:cNvPr>
+          <p:cNvSpPr/>
+          <p:nvPr/>
+        </p:nvSpPr>
+        <p:spPr>
+          <a:xfrm>
+            <a:off x="2355752" y="3446584"/>
+            <a:ext cx="493541" cy="506437"/>
+          </a:xfrm>
+          <a:prstGeom prst="trapezoid">
+            <a:avLst/>
+          </a:prstGeom>
+        </p:spPr>
+        <p:style>
+          <a:lnRef idx="2">
+            <a:schemeClr val="accent1">
+              <a:shade val="50000"/>
+            </a:schemeClr>
+          </a:lnRef>
+          <a:fillRef idx="1">
+            <a:schemeClr val="accent1"/>
+          </a:fillRef>
+          <a:effectRef idx="0">
+            <a:schemeClr val="accent1"/>
+          </a:effectRef>
+          <a:fontRef idx="minor">
+            <a:schemeClr val="lt1"/>
+          </a:fontRef>
+        </p:style>
+        <p:txBody>
+          <a:bodyPr rtlCol="0" anchor="ctr"/>
+          <a:lstStyle/>
+          <a:p>
+            <a:pPr algn="ctr"/>
+            <a:endParaRPr lang="sv-SE"/>
           </a:p>
         </p:txBody>
       </p:sp>
